--- a/Flyer-PresentationSeries-Student-PalDave-April-23rd-3pm-EST.pptx
+++ b/Flyer-PresentationSeries-Student-PalDave-April-23rd-3pm-EST.pptx
@@ -39,14 +39,37 @@
 <file path=ppt/revisionInfo.xml><?xml version="1.0" encoding="utf-8"?>
 <p1510:revInfo xmlns:a="http://schemas.openxmlformats.org/drawingml/2006/main" xmlns:r="http://schemas.openxmlformats.org/officeDocument/2006/relationships" xmlns:p1510="http://schemas.microsoft.com/office/powerpoint/2015/10/main">
   <p1510:revLst>
-    <p1510:client id="{22912B76-2AFD-46DF-B186-87E782DCB14D}" v="289" dt="2025-04-22T03:39:53.077"/>
-    <p1510:client id="{B21B584E-7C4E-4680-940C-3AEC3C88417F}" v="3" dt="2025-04-22T03:45:31.129"/>
+    <p1510:client id="{9B597893-BCEB-4AB9-A36D-066EEB826C06}" v="4" dt="2025-09-30T02:25:02.850"/>
   </p1510:revLst>
 </p1510:revInfo>
 </file>
 
 <file path=ppt/changesInfos/changesInfo1.xml><?xml version="1.0" encoding="utf-8"?>
 <pc:chgInfo xmlns:a="http://schemas.openxmlformats.org/drawingml/2006/main" xmlns:r="http://schemas.openxmlformats.org/officeDocument/2006/relationships" xmlns:ac="http://schemas.microsoft.com/office/drawing/2013/main/command" xmlns:pc="http://schemas.microsoft.com/office/powerpoint/2013/main/command">
+  <pc:docChgLst>
+    <pc:chgData name="Hamidreza Moradi" userId="64a2f9f9-598f-4745-a0e4-947b96467472" providerId="ADAL" clId="{EFE569C2-580F-4C58-BB23-CA7218FE2D5A}"/>
+    <pc:docChg chg="custSel modSld">
+      <pc:chgData name="Hamidreza Moradi" userId="64a2f9f9-598f-4745-a0e4-947b96467472" providerId="ADAL" clId="{EFE569C2-580F-4C58-BB23-CA7218FE2D5A}" dt="2025-09-30T02:24:44.243" v="42" actId="3626"/>
+      <pc:docMkLst>
+        <pc:docMk/>
+      </pc:docMkLst>
+      <pc:sldChg chg="modSp mod">
+        <pc:chgData name="Hamidreza Moradi" userId="64a2f9f9-598f-4745-a0e4-947b96467472" providerId="ADAL" clId="{EFE569C2-580F-4C58-BB23-CA7218FE2D5A}" dt="2025-09-30T02:24:44.243" v="42" actId="3626"/>
+        <pc:sldMkLst>
+          <pc:docMk/>
+          <pc:sldMk cId="0" sldId="263"/>
+        </pc:sldMkLst>
+        <pc:spChg chg="mod">
+          <ac:chgData name="Hamidreza Moradi" userId="64a2f9f9-598f-4745-a0e4-947b96467472" providerId="ADAL" clId="{EFE569C2-580F-4C58-BB23-CA7218FE2D5A}" dt="2025-09-30T02:24:44.243" v="42" actId="3626"/>
+          <ac:spMkLst>
+            <pc:docMk/>
+            <pc:sldMk cId="0" sldId="263"/>
+            <ac:spMk id="18" creationId="{1B3D9EDC-AC67-9D01-8F77-446C71E6F213}"/>
+          </ac:spMkLst>
+        </pc:spChg>
+      </pc:sldChg>
+    </pc:docChg>
+  </pc:docChgLst>
   <pc:docChgLst>
     <pc:chgData name="Hamidreza Moradi" userId="64a2f9f9-598f-4745-a0e4-947b96467472" providerId="ADAL" clId="{B21B584E-7C4E-4680-940C-3AEC3C88417F}"/>
     <pc:docChg chg="undo custSel modSld">
@@ -60,46 +83,6 @@
           <pc:docMk/>
           <pc:sldMk cId="0" sldId="263"/>
         </pc:sldMkLst>
-        <pc:spChg chg="mod">
-          <ac:chgData name="Hamidreza Moradi" userId="64a2f9f9-598f-4745-a0e4-947b96467472" providerId="ADAL" clId="{B21B584E-7C4E-4680-940C-3AEC3C88417F}" dt="2025-04-22T03:45:05.542" v="10" actId="1036"/>
-          <ac:spMkLst>
-            <pc:docMk/>
-            <pc:sldMk cId="0" sldId="263"/>
-            <ac:spMk id="16" creationId="{478366C2-8561-711E-AE4A-A883E0F52C15}"/>
-          </ac:spMkLst>
-        </pc:spChg>
-        <pc:spChg chg="mod">
-          <ac:chgData name="Hamidreza Moradi" userId="64a2f9f9-598f-4745-a0e4-947b96467472" providerId="ADAL" clId="{B21B584E-7C4E-4680-940C-3AEC3C88417F}" dt="2025-04-22T03:48:51.537" v="18" actId="115"/>
-          <ac:spMkLst>
-            <pc:docMk/>
-            <pc:sldMk cId="0" sldId="263"/>
-            <ac:spMk id="18" creationId="{1B3D9EDC-AC67-9D01-8F77-446C71E6F213}"/>
-          </ac:spMkLst>
-        </pc:spChg>
-        <pc:grpChg chg="mod">
-          <ac:chgData name="Hamidreza Moradi" userId="64a2f9f9-598f-4745-a0e4-947b96467472" providerId="ADAL" clId="{B21B584E-7C4E-4680-940C-3AEC3C88417F}" dt="2025-04-22T03:47:46.629" v="16" actId="1076"/>
-          <ac:grpSpMkLst>
-            <pc:docMk/>
-            <pc:sldMk cId="0" sldId="263"/>
-            <ac:grpSpMk id="2" creationId="{00000000-0000-0000-0000-000000000000}"/>
-          </ac:grpSpMkLst>
-        </pc:grpChg>
-        <pc:grpChg chg="mod">
-          <ac:chgData name="Hamidreza Moradi" userId="64a2f9f9-598f-4745-a0e4-947b96467472" providerId="ADAL" clId="{B21B584E-7C4E-4680-940C-3AEC3C88417F}" dt="2025-04-22T03:44:56.662" v="5" actId="1076"/>
-          <ac:grpSpMkLst>
-            <pc:docMk/>
-            <pc:sldMk cId="0" sldId="263"/>
-            <ac:grpSpMk id="7" creationId="{00000000-0000-0000-0000-000000000000}"/>
-          </ac:grpSpMkLst>
-        </pc:grpChg>
-        <pc:picChg chg="mod">
-          <ac:chgData name="Hamidreza Moradi" userId="64a2f9f9-598f-4745-a0e4-947b96467472" providerId="ADAL" clId="{B21B584E-7C4E-4680-940C-3AEC3C88417F}" dt="2025-04-22T03:44:47.683" v="3" actId="1076"/>
-          <ac:picMkLst>
-            <pc:docMk/>
-            <pc:sldMk cId="0" sldId="263"/>
-            <ac:picMk id="1026" creationId="{82A6D793-53CD-68DB-CD25-98DB3DF7835F}"/>
-          </ac:picMkLst>
-        </pc:picChg>
       </pc:sldChg>
     </pc:docChg>
   </pc:docChgLst>
@@ -188,7 +171,7 @@
           <a:p>
             <a:fld id="{5E87EB72-FDA5-4638-9ADE-3849EFAD9F29}" type="datetimeFigureOut">
               <a:rPr lang="en-US" smtClean="0"/>
-              <a:t>4/21/2025</a:t>
+              <a:t>9/29/2025</a:t>
             </a:fld>
             <a:endParaRPr lang="en-US"/>
           </a:p>
@@ -600,7 +583,7 @@
           <a:p>
             <a:fld id="{1D8BD707-D9CF-40AE-B4C6-C98DA3205C09}" type="datetimeFigureOut">
               <a:rPr lang="en-US"/>
-              <a:t>4/21/2025</a:t>
+              <a:t>9/29/2025</a:t>
             </a:fld>
             <a:endParaRPr lang="en-US"/>
           </a:p>
@@ -795,7 +778,7 @@
           <a:p>
             <a:fld id="{1D8BD707-D9CF-40AE-B4C6-C98DA3205C09}" type="datetimeFigureOut">
               <a:rPr lang="en-US"/>
-              <a:t>4/21/2025</a:t>
+              <a:t>9/29/2025</a:t>
             </a:fld>
             <a:endParaRPr lang="en-US"/>
           </a:p>
@@ -1033,7 +1016,7 @@
           <a:p>
             <a:fld id="{1D8BD707-D9CF-40AE-B4C6-C98DA3205C09}" type="datetimeFigureOut">
               <a:rPr lang="en-US"/>
-              <a:t>4/21/2025</a:t>
+              <a:t>9/29/2025</a:t>
             </a:fld>
             <a:endParaRPr lang="en-US"/>
           </a:p>
@@ -1205,7 +1188,7 @@
           <a:p>
             <a:fld id="{1D8BD707-D9CF-40AE-B4C6-C98DA3205C09}" type="datetimeFigureOut">
               <a:rPr lang="en-US"/>
-              <a:t>4/21/2025</a:t>
+              <a:t>9/29/2025</a:t>
             </a:fld>
             <a:endParaRPr lang="en-US"/>
           </a:p>
@@ -1401,7 +1384,7 @@
           <a:p>
             <a:fld id="{1D8BD707-D9CF-40AE-B4C6-C98DA3205C09}" type="datetimeFigureOut">
               <a:rPr lang="en-US"/>
-              <a:t>4/21/2025</a:t>
+              <a:t>9/29/2025</a:t>
             </a:fld>
             <a:endParaRPr lang="en-US"/>
           </a:p>
@@ -1639,7 +1622,7 @@
           <a:p>
             <a:fld id="{1D8BD707-D9CF-40AE-B4C6-C98DA3205C09}" type="datetimeFigureOut">
               <a:rPr lang="en-US"/>
-              <a:t>4/21/2025</a:t>
+              <a:t>9/29/2025</a:t>
             </a:fld>
             <a:endParaRPr lang="en-US"/>
           </a:p>
@@ -3794,7 +3777,7 @@
                   <a:srgbClr val="003366"/>
                 </a:solidFill>
               </a:rPr>
-              <a:t>Pal Dave</a:t>
+              <a:t>Ehsan Alam</a:t>
             </a:r>
             <a:endParaRPr sz="2400" dirty="0">
               <a:solidFill>
@@ -3819,12 +3802,8 @@
               <a:t>Topic: </a:t>
             </a:r>
             <a:r>
-              <a:rPr lang="en-US" sz="2400" dirty="0">
-                <a:solidFill>
-                  <a:srgbClr val="003366"/>
-                </a:solidFill>
-              </a:rPr>
-              <a:t>Detecting Cyberbullying in Images Using Deep Learning: A VGG19-Based Approach</a:t>
+              <a:rPr lang="en-US" sz="2400" dirty="0"/>
+              <a:t>Enhancing Segmentation Fairness Through Curriculum Learning and Progressive Loss</a:t>
             </a:r>
             <a:endParaRPr sz="2400" dirty="0">
               <a:solidFill>
@@ -3854,7 +3833,23 @@
                   <a:srgbClr val="003366"/>
                 </a:solidFill>
               </a:rPr>
-              <a:t>Wednesday, April 23rd </a:t>
+              <a:t>Wednesday, Oct. 1</a:t>
+            </a:r>
+            <a:r>
+              <a:rPr lang="en-US" sz="2400" u="sng" baseline="30000" dirty="0">
+                <a:solidFill>
+                  <a:srgbClr val="003366"/>
+                </a:solidFill>
+              </a:rPr>
+              <a:t>st</a:t>
+            </a:r>
+            <a:r>
+              <a:rPr lang="en-US" sz="2400" u="sng" dirty="0">
+                <a:solidFill>
+                  <a:srgbClr val="003366"/>
+                </a:solidFill>
+              </a:rPr>
+              <a:t>  </a:t>
             </a:r>
           </a:p>
           <a:p>
@@ -3918,6 +3913,29 @@
                   <a:srgbClr val="FDB927"/>
                 </a:solidFill>
                 <a:hlinkClick r:id="rId3"/>
+              </a:rPr>
+              <a:t>[Register]</a:t>
+            </a:r>
+            <a:endParaRPr lang="en-US" sz="2400" dirty="0">
+              <a:solidFill>
+                <a:srgbClr val="FDB927"/>
+              </a:solidFill>
+            </a:endParaRPr>
+          </a:p>
+          <a:p>
+            <a:pPr algn="ctr">
+              <a:defRPr sz="1800">
+                <a:solidFill>
+                  <a:srgbClr val="000000"/>
+                </a:solidFill>
+              </a:defRPr>
+            </a:pPr>
+            <a:r>
+              <a:rPr lang="en-US" sz="2400" dirty="0">
+                <a:solidFill>
+                  <a:srgbClr val="FDB927"/>
+                </a:solidFill>
+                <a:hlinkClick r:id="rId4"/>
               </a:rPr>
               <a:t>[Join the Session]</a:t>
             </a:r>
@@ -3940,7 +3958,7 @@
                 <a:solidFill>
                   <a:srgbClr val="FDB927"/>
                 </a:solidFill>
-                <a:hlinkClick r:id="rId4"/>
+                <a:hlinkClick r:id="rId5"/>
               </a:rPr>
               <a:t>[Add to your Calendar]</a:t>
             </a:r>
@@ -4011,26 +4029,12 @@
                 </a:solidFill>
               </a:defRPr>
             </a:pPr>
-            <a:endParaRPr sz="2400" b="1" dirty="0">
-              <a:solidFill>
-                <a:srgbClr val="003366"/>
-              </a:solidFill>
-            </a:endParaRPr>
-          </a:p>
-          <a:p>
-            <a:pPr algn="ctr">
-              <a:defRPr sz="1800">
-                <a:solidFill>
-                  <a:srgbClr val="000000"/>
-                </a:solidFill>
-              </a:defRPr>
-            </a:pPr>
             <a:r>
               <a:rPr lang="en-US" sz="2400" dirty="0">
                 <a:solidFill>
                   <a:srgbClr val="FDB927"/>
                 </a:solidFill>
-                <a:hlinkClick r:id="rId5"/>
+                <a:hlinkClick r:id="rId6"/>
               </a:rPr>
               <a:t>[F</a:t>
             </a:r>
@@ -4039,7 +4043,7 @@
                 <a:solidFill>
                   <a:srgbClr val="FDB927"/>
                 </a:solidFill>
-                <a:hlinkClick r:id="rId5"/>
+                <a:hlinkClick r:id="rId6"/>
               </a:rPr>
               <a:t>ull </a:t>
             </a:r>
@@ -4048,7 +4052,7 @@
                 <a:solidFill>
                   <a:srgbClr val="FDB927"/>
                 </a:solidFill>
-                <a:hlinkClick r:id="rId5"/>
+                <a:hlinkClick r:id="rId6"/>
               </a:rPr>
               <a:t>S</a:t>
             </a:r>
@@ -4057,7 +4061,7 @@
                 <a:solidFill>
                   <a:srgbClr val="FDB927"/>
                 </a:solidFill>
-                <a:hlinkClick r:id="rId5"/>
+                <a:hlinkClick r:id="rId6"/>
               </a:rPr>
               <a:t>chedule and </a:t>
             </a:r>
@@ -4066,7 +4070,7 @@
                 <a:solidFill>
                   <a:srgbClr val="FDB927"/>
                 </a:solidFill>
-                <a:hlinkClick r:id="rId5"/>
+                <a:hlinkClick r:id="rId6"/>
               </a:rPr>
               <a:t>D</a:t>
             </a:r>
@@ -4075,7 +4079,7 @@
                 <a:solidFill>
                   <a:srgbClr val="FDB927"/>
                 </a:solidFill>
-                <a:hlinkClick r:id="rId5"/>
+                <a:hlinkClick r:id="rId6"/>
               </a:rPr>
               <a:t>etails</a:t>
             </a:r>
@@ -4084,7 +4088,7 @@
                 <a:solidFill>
                   <a:srgbClr val="FDB927"/>
                 </a:solidFill>
-                <a:hlinkClick r:id="rId5"/>
+                <a:hlinkClick r:id="rId6"/>
               </a:rPr>
               <a:t>]</a:t>
             </a:r>
@@ -4093,7 +4097,7 @@
                 <a:solidFill>
                   <a:srgbClr val="FDB927"/>
                 </a:solidFill>
-                <a:hlinkClick r:id="rId5"/>
+                <a:hlinkClick r:id="rId6"/>
               </a:rPr>
               <a:t> </a:t>
             </a:r>
